--- a/ltx/BrainIDETalk/Figures/BrainElectrode.pptx
+++ b/ltx/BrainIDETalk/Figures/BrainElectrode.pptx
@@ -11,6 +11,7 @@
     <p:sldId id="259" r:id="rId5"/>
     <p:sldId id="260" r:id="rId6"/>
     <p:sldId id="261" r:id="rId7"/>
+    <p:sldId id="262" r:id="rId8"/>
   </p:sldIdLst>
   <p:sldSz cx="9144000" cy="6858000" type="screen4x3"/>
   <p:notesSz cx="6858000" cy="9144000"/>
@@ -294,7 +295,7 @@
             <a:fld id="{52A44C4A-09FB-C849-B41D-C17F84D6146B}" type="datetimeFigureOut">
               <a:rPr lang="en-US" smtClean="0"/>
               <a:pPr/>
-              <a:t>3/16/11</a:t>
+              <a:t>3/20/11</a:t>
             </a:fld>
             <a:endParaRPr lang="en-US"/>
           </a:p>
@@ -461,7 +462,7 @@
             <a:fld id="{52A44C4A-09FB-C849-B41D-C17F84D6146B}" type="datetimeFigureOut">
               <a:rPr lang="en-US" smtClean="0"/>
               <a:pPr/>
-              <a:t>3/16/11</a:t>
+              <a:t>3/20/11</a:t>
             </a:fld>
             <a:endParaRPr lang="en-US"/>
           </a:p>
@@ -638,7 +639,7 @@
             <a:fld id="{52A44C4A-09FB-C849-B41D-C17F84D6146B}" type="datetimeFigureOut">
               <a:rPr lang="en-US" smtClean="0"/>
               <a:pPr/>
-              <a:t>3/16/11</a:t>
+              <a:t>3/20/11</a:t>
             </a:fld>
             <a:endParaRPr lang="en-US"/>
           </a:p>
@@ -805,7 +806,7 @@
             <a:fld id="{52A44C4A-09FB-C849-B41D-C17F84D6146B}" type="datetimeFigureOut">
               <a:rPr lang="en-US" smtClean="0"/>
               <a:pPr/>
-              <a:t>3/16/11</a:t>
+              <a:t>3/20/11</a:t>
             </a:fld>
             <a:endParaRPr lang="en-US"/>
           </a:p>
@@ -1048,7 +1049,7 @@
             <a:fld id="{52A44C4A-09FB-C849-B41D-C17F84D6146B}" type="datetimeFigureOut">
               <a:rPr lang="en-US" smtClean="0"/>
               <a:pPr/>
-              <a:t>3/16/11</a:t>
+              <a:t>3/20/11</a:t>
             </a:fld>
             <a:endParaRPr lang="en-US"/>
           </a:p>
@@ -1333,7 +1334,7 @@
             <a:fld id="{52A44C4A-09FB-C849-B41D-C17F84D6146B}" type="datetimeFigureOut">
               <a:rPr lang="en-US" smtClean="0"/>
               <a:pPr/>
-              <a:t>3/16/11</a:t>
+              <a:t>3/20/11</a:t>
             </a:fld>
             <a:endParaRPr lang="en-US"/>
           </a:p>
@@ -1752,7 +1753,7 @@
             <a:fld id="{52A44C4A-09FB-C849-B41D-C17F84D6146B}" type="datetimeFigureOut">
               <a:rPr lang="en-US" smtClean="0"/>
               <a:pPr/>
-              <a:t>3/16/11</a:t>
+              <a:t>3/20/11</a:t>
             </a:fld>
             <a:endParaRPr lang="en-US"/>
           </a:p>
@@ -1867,7 +1868,7 @@
             <a:fld id="{52A44C4A-09FB-C849-B41D-C17F84D6146B}" type="datetimeFigureOut">
               <a:rPr lang="en-US" smtClean="0"/>
               <a:pPr/>
-              <a:t>3/16/11</a:t>
+              <a:t>3/20/11</a:t>
             </a:fld>
             <a:endParaRPr lang="en-US"/>
           </a:p>
@@ -1959,7 +1960,7 @@
             <a:fld id="{52A44C4A-09FB-C849-B41D-C17F84D6146B}" type="datetimeFigureOut">
               <a:rPr lang="en-US" smtClean="0"/>
               <a:pPr/>
-              <a:t>3/16/11</a:t>
+              <a:t>3/20/11</a:t>
             </a:fld>
             <a:endParaRPr lang="en-US"/>
           </a:p>
@@ -2233,7 +2234,7 @@
             <a:fld id="{52A44C4A-09FB-C849-B41D-C17F84D6146B}" type="datetimeFigureOut">
               <a:rPr lang="en-US" smtClean="0"/>
               <a:pPr/>
-              <a:t>3/16/11</a:t>
+              <a:t>3/20/11</a:t>
             </a:fld>
             <a:endParaRPr lang="en-US"/>
           </a:p>
@@ -2483,7 +2484,7 @@
             <a:fld id="{52A44C4A-09FB-C849-B41D-C17F84D6146B}" type="datetimeFigureOut">
               <a:rPr lang="en-US" smtClean="0"/>
               <a:pPr/>
-              <a:t>3/16/11</a:t>
+              <a:t>3/20/11</a:t>
             </a:fld>
             <a:endParaRPr lang="en-US"/>
           </a:p>
@@ -2693,7 +2694,7 @@
             <a:fld id="{52A44C4A-09FB-C849-B41D-C17F84D6146B}" type="datetimeFigureOut">
               <a:rPr lang="en-US" smtClean="0"/>
               <a:pPr/>
-              <a:t>3/16/11</a:t>
+              <a:t>3/20/11</a:t>
             </a:fld>
             <a:endParaRPr lang="en-US"/>
           </a:p>
@@ -3082,7 +3083,7 @@
               </a:stretch>
             </p:blipFill>
           </mc:Choice>
-          <mc:Fallback xmlns:ma="http://schemas.microsoft.com/office/mac/drawingml/2008/main" xmlns="" xmlns:a="http://schemas.openxmlformats.org/drawingml/2006/main" xmlns:r="http://schemas.openxmlformats.org/officeDocument/2006/relationships" xmlns:mc="http://schemas.openxmlformats.org/markup-compatibility/2006" xmlns:mv="urn:schemas-microsoft-com:mac:vml" xmlns:p="http://schemas.openxmlformats.org/presentationml/2006/main">
+          <mc:Fallback xmlns:p="http://schemas.openxmlformats.org/presentationml/2006/main" xmlns:mv="urn:schemas-microsoft-com:mac:vml" xmlns:mc="http://schemas.openxmlformats.org/markup-compatibility/2006" xmlns:r="http://schemas.openxmlformats.org/officeDocument/2006/relationships" xmlns:a="http://schemas.openxmlformats.org/drawingml/2006/main" xmlns="" xmlns:ma="http://schemas.microsoft.com/office/mac/drawingml/2008/main">
             <p:blipFill>
               <a:blip r:embed="rId3"/>
               <a:srcRect l="19746" t="70583" r="27072" b="3070"/>
@@ -4579,8 +4580,8 @@
           </p:cNvPicPr>
           <p:nvPr/>
         </p:nvPicPr>
-        <mc:AlternateContent xmlns:ma="http://schemas.microsoft.com/office/mac/drawingml/2008/main">
-          <mc:Choice Requires="ma">
+        <mc:AlternateContent>
+          <mc:Choice xmlns:ma="http://schemas.microsoft.com/office/mac/drawingml/2008/main" Requires="ma">
             <p:blipFill>
               <a:blip r:embed="rId2"/>
               <a:srcRect l="19746" t="70583" r="27072" b="3070"/>
@@ -4589,7 +4590,7 @@
               </a:stretch>
             </p:blipFill>
           </mc:Choice>
-          <mc:Fallback xmlns:ma="http://schemas.microsoft.com/office/mac/drawingml/2008/main" xmlns="" xmlns:a="http://schemas.openxmlformats.org/drawingml/2006/main" xmlns:r="http://schemas.openxmlformats.org/officeDocument/2006/relationships" xmlns:mc="http://schemas.openxmlformats.org/markup-compatibility/2006" xmlns:mv="urn:schemas-microsoft-com:mac:vml" xmlns:p="http://schemas.openxmlformats.org/presentationml/2006/main">
+          <mc:Fallback>
             <p:blipFill>
               <a:blip r:embed="rId3"/>
               <a:srcRect l="19746" t="70583" r="27072" b="3070"/>
@@ -5624,11 +5625,7 @@
           <a:p>
             <a:r>
               <a:rPr lang="en-US" dirty="0" smtClean="0"/>
-              <a:t>≈</a:t>
-            </a:r>
-            <a:r>
-              <a:rPr lang="en-US" dirty="0" smtClean="0"/>
-              <a:t>10,000 neurons</a:t>
+              <a:t>≈10,000 neurons</a:t>
             </a:r>
             <a:endParaRPr lang="en-US" dirty="0"/>
           </a:p>
@@ -5667,8 +5664,8 @@
           </p:cNvPicPr>
           <p:nvPr/>
         </p:nvPicPr>
-        <mc:AlternateContent xmlns:ma="http://schemas.microsoft.com/office/mac/drawingml/2008/main">
-          <mc:Choice Requires="ma">
+        <mc:AlternateContent>
+          <mc:Choice xmlns:ma="http://schemas.microsoft.com/office/mac/drawingml/2008/main" Requires="ma">
             <p:blipFill>
               <a:blip r:embed="rId2"/>
               <a:srcRect l="19746" t="70583" r="27072" b="3070"/>
@@ -5677,7 +5674,7 @@
               </a:stretch>
             </p:blipFill>
           </mc:Choice>
-          <mc:Fallback xmlns:ma="http://schemas.microsoft.com/office/mac/drawingml/2008/main" xmlns="" xmlns:a="http://schemas.openxmlformats.org/drawingml/2006/main" xmlns:r="http://schemas.openxmlformats.org/officeDocument/2006/relationships" xmlns:mc="http://schemas.openxmlformats.org/markup-compatibility/2006" xmlns:mv="urn:schemas-microsoft-com:mac:vml" xmlns:p="http://schemas.openxmlformats.org/presentationml/2006/main">
+          <mc:Fallback>
             <p:blipFill>
               <a:blip r:embed="rId3"/>
               <a:srcRect l="19746" t="70583" r="27072" b="3070"/>
@@ -6526,15 +6523,7 @@
                   <a:srgbClr val="FF0000"/>
                 </a:solidFill>
               </a:rPr>
-              <a:t>n</a:t>
-            </a:r>
-            <a:r>
-              <a:rPr lang="en-US" dirty="0" smtClean="0">
-                <a:solidFill>
-                  <a:srgbClr val="FF0000"/>
-                </a:solidFill>
-              </a:rPr>
-              <a:t>eural field</a:t>
+              <a:t>neural field</a:t>
             </a:r>
             <a:endParaRPr lang="en-US" dirty="0">
               <a:solidFill>
@@ -6640,22 +6629,14 @@
           <a:p>
             <a:r>
               <a:rPr lang="en-US" dirty="0" smtClean="0"/>
-              <a:t>m</a:t>
-            </a:r>
-            <a:r>
-              <a:rPr lang="en-US" dirty="0" smtClean="0"/>
-              <a:t>illions of neurons</a:t>
+              <a:t>millions of neurons</a:t>
             </a:r>
             <a:br>
               <a:rPr lang="en-US" dirty="0" smtClean="0"/>
             </a:br>
             <a:r>
               <a:rPr lang="en-US" dirty="0" smtClean="0"/>
-              <a:t>≈</a:t>
-            </a:r>
-            <a:r>
-              <a:rPr lang="en-US" dirty="0" smtClean="0"/>
-              <a:t>∞</a:t>
+              <a:t>≈∞</a:t>
             </a:r>
             <a:endParaRPr lang="en-US" dirty="0"/>
           </a:p>
@@ -6694,8 +6675,8 @@
           </p:cNvPicPr>
           <p:nvPr/>
         </p:nvPicPr>
-        <mc:AlternateContent xmlns:ma="http://schemas.microsoft.com/office/mac/drawingml/2008/main">
-          <mc:Choice Requires="ma">
+        <mc:AlternateContent>
+          <mc:Choice xmlns:ma="http://schemas.microsoft.com/office/mac/drawingml/2008/main" Requires="ma">
             <p:blipFill>
               <a:blip r:embed="rId2"/>
               <a:srcRect l="19746" t="70583" r="27072" b="3070"/>
@@ -6704,7 +6685,7 @@
               </a:stretch>
             </p:blipFill>
           </mc:Choice>
-          <mc:Fallback xmlns:ma="http://schemas.microsoft.com/office/mac/drawingml/2008/main" xmlns="" xmlns:a="http://schemas.openxmlformats.org/drawingml/2006/main" xmlns:r="http://schemas.openxmlformats.org/officeDocument/2006/relationships" xmlns:mc="http://schemas.openxmlformats.org/markup-compatibility/2006" xmlns:mv="urn:schemas-microsoft-com:mac:vml" xmlns:p="http://schemas.openxmlformats.org/presentationml/2006/main">
+          <mc:Fallback>
             <p:blipFill>
               <a:blip r:embed="rId3"/>
               <a:srcRect l="19746" t="70583" r="27072" b="3070"/>
@@ -7451,6 +7432,874 @@
           </a:p>
         </p:txBody>
       </p:sp>
+    </p:spTree>
+  </p:cSld>
+  <p:clrMapOvr>
+    <a:masterClrMapping/>
+  </p:clrMapOvr>
+</p:sld>
+</file>
+
+<file path=ppt/slides/slide7.xml><?xml version="1.0" encoding="utf-8"?>
+<p:sld xmlns:a="http://schemas.openxmlformats.org/drawingml/2006/main" xmlns:r="http://schemas.openxmlformats.org/officeDocument/2006/relationships" xmlns:mc="http://schemas.openxmlformats.org/markup-compatibility/2006" xmlns:mv="urn:schemas-microsoft-com:mac:vml" xmlns:p="http://schemas.openxmlformats.org/presentationml/2006/main" mc:Ignorable="mv" mc:PreserveAttributes="mv:*">
+  <p:cSld>
+    <p:spTree>
+      <p:nvGrpSpPr>
+        <p:cNvPr id="1" name=""/>
+        <p:cNvGrpSpPr/>
+        <p:nvPr/>
+      </p:nvGrpSpPr>
+      <p:grpSpPr>
+        <a:xfrm>
+          <a:off x="0" y="0"/>
+          <a:ext cx="0" cy="0"/>
+          <a:chOff x="0" y="0"/>
+          <a:chExt cx="0" cy="0"/>
+        </a:xfrm>
+      </p:grpSpPr>
+      <p:pic>
+        <p:nvPicPr>
+          <p:cNvPr id="4" name="Picture 3" descr="CoronalHalfBrain.pdf"/>
+          <p:cNvPicPr>
+            <a:picLocks noChangeAspect="1"/>
+          </p:cNvPicPr>
+          <p:nvPr/>
+        </p:nvPicPr>
+        <mc:AlternateContent xmlns:ma="http://schemas.microsoft.com/office/mac/drawingml/2008/main">
+          <mc:Choice Requires="ma">
+            <p:blipFill>
+              <a:blip r:embed="rId2"/>
+              <a:srcRect l="19746" t="70583" r="27072" b="3070"/>
+              <a:stretch>
+                <a:fillRect/>
+              </a:stretch>
+            </p:blipFill>
+          </mc:Choice>
+          <mc:Fallback xmlns:p="http://schemas.openxmlformats.org/presentationml/2006/main" xmlns:mv="urn:schemas-microsoft-com:mac:vml" xmlns:mc="http://schemas.openxmlformats.org/markup-compatibility/2006" xmlns:r="http://schemas.openxmlformats.org/officeDocument/2006/relationships" xmlns:a="http://schemas.openxmlformats.org/drawingml/2006/main" xmlns="" xmlns:ma="http://schemas.microsoft.com/office/mac/drawingml/2008/main">
+            <p:blipFill>
+              <a:blip r:embed="rId3"/>
+              <a:srcRect l="19746" t="70583" r="27072" b="3070"/>
+              <a:stretch>
+                <a:fillRect/>
+              </a:stretch>
+            </p:blipFill>
+          </mc:Fallback>
+        </mc:AlternateContent>
+        <p:spPr>
+          <a:xfrm rot="5400000">
+            <a:off x="-415192" y="1368945"/>
+            <a:ext cx="4953248" cy="3474302"/>
+          </a:xfrm>
+          <a:prstGeom prst="rect">
+            <a:avLst/>
+          </a:prstGeom>
+        </p:spPr>
+      </p:pic>
+      <p:cxnSp>
+        <p:nvCxnSpPr>
+          <p:cNvPr id="20" name="Curved Connector 19"/>
+          <p:cNvCxnSpPr/>
+          <p:nvPr/>
+        </p:nvCxnSpPr>
+        <p:spPr>
+          <a:xfrm flipV="1">
+            <a:off x="3122188" y="2648380"/>
+            <a:ext cx="1331305" cy="2015086"/>
+          </a:xfrm>
+          <a:prstGeom prst="curvedConnector3">
+            <a:avLst>
+              <a:gd name="adj1" fmla="val 50000"/>
+            </a:avLst>
+          </a:prstGeom>
+          <a:ln>
+            <a:solidFill>
+              <a:schemeClr val="tx1"/>
+            </a:solidFill>
+          </a:ln>
+        </p:spPr>
+        <p:style>
+          <a:lnRef idx="2">
+            <a:schemeClr val="accent1"/>
+          </a:lnRef>
+          <a:fillRef idx="0">
+            <a:schemeClr val="accent1"/>
+          </a:fillRef>
+          <a:effectRef idx="1">
+            <a:schemeClr val="accent1"/>
+          </a:effectRef>
+          <a:fontRef idx="minor">
+            <a:schemeClr val="tx1"/>
+          </a:fontRef>
+        </p:style>
+      </p:cxnSp>
+      <p:sp>
+        <p:nvSpPr>
+          <p:cNvPr id="30" name="Isosceles Triangle 29"/>
+          <p:cNvSpPr/>
+          <p:nvPr/>
+        </p:nvSpPr>
+        <p:spPr>
+          <a:xfrm rot="5400000">
+            <a:off x="4391174" y="2423062"/>
+            <a:ext cx="974554" cy="834061"/>
+          </a:xfrm>
+          <a:prstGeom prst="triangle">
+            <a:avLst>
+              <a:gd name="adj" fmla="val 50000"/>
+            </a:avLst>
+          </a:prstGeom>
+          <a:gradFill flip="none" rotWithShape="1">
+            <a:gsLst>
+              <a:gs pos="0">
+                <a:schemeClr val="bg1">
+                  <a:lumMod val="65000"/>
+                </a:schemeClr>
+              </a:gs>
+              <a:gs pos="100000">
+                <a:srgbClr val="FFFFFF"/>
+              </a:gs>
+            </a:gsLst>
+            <a:lin ang="0" scaled="1"/>
+            <a:tileRect/>
+          </a:gradFill>
+          <a:ln>
+            <a:solidFill>
+              <a:schemeClr val="tx1"/>
+            </a:solidFill>
+          </a:ln>
+        </p:spPr>
+        <p:style>
+          <a:lnRef idx="1">
+            <a:schemeClr val="accent1"/>
+          </a:lnRef>
+          <a:fillRef idx="3">
+            <a:schemeClr val="accent1"/>
+          </a:fillRef>
+          <a:effectRef idx="2">
+            <a:schemeClr val="accent1"/>
+          </a:effectRef>
+          <a:fontRef idx="minor">
+            <a:schemeClr val="lt1"/>
+          </a:fontRef>
+        </p:style>
+        <p:txBody>
+          <a:bodyPr rtlCol="0" anchor="ctr"/>
+          <a:lstStyle/>
+          <a:p>
+            <a:pPr algn="ctr"/>
+            <a:endParaRPr lang="en-US"/>
+          </a:p>
+        </p:txBody>
+      </p:sp>
+      <p:sp>
+        <p:nvSpPr>
+          <p:cNvPr id="31" name="TextBox 30"/>
+          <p:cNvSpPr txBox="1"/>
+          <p:nvPr/>
+        </p:nvSpPr>
+        <p:spPr>
+          <a:xfrm>
+            <a:off x="4518909" y="2445747"/>
+            <a:ext cx="300082" cy="369332"/>
+          </a:xfrm>
+          <a:prstGeom prst="rect">
+            <a:avLst/>
+          </a:prstGeom>
+          <a:noFill/>
+        </p:spPr>
+        <p:txBody>
+          <a:bodyPr wrap="none" rtlCol="0">
+            <a:spAutoFit/>
+          </a:bodyPr>
+          <a:lstStyle/>
+          <a:p>
+            <a:r>
+              <a:rPr lang="en-US" dirty="0" smtClean="0"/>
+              <a:t>+</a:t>
+            </a:r>
+            <a:endParaRPr lang="en-US" dirty="0"/>
+          </a:p>
+        </p:txBody>
+      </p:sp>
+      <p:sp>
+        <p:nvSpPr>
+          <p:cNvPr id="32" name="TextBox 31"/>
+          <p:cNvSpPr txBox="1"/>
+          <p:nvPr/>
+        </p:nvSpPr>
+        <p:spPr>
+          <a:xfrm>
+            <a:off x="4542869" y="2815079"/>
+            <a:ext cx="255336" cy="369332"/>
+          </a:xfrm>
+          <a:prstGeom prst="rect">
+            <a:avLst/>
+          </a:prstGeom>
+          <a:noFill/>
+        </p:spPr>
+        <p:txBody>
+          <a:bodyPr wrap="none" rtlCol="0">
+            <a:spAutoFit/>
+          </a:bodyPr>
+          <a:lstStyle/>
+          <a:p>
+            <a:r>
+              <a:rPr lang="en-US" dirty="0" smtClean="0"/>
+              <a:t>-</a:t>
+            </a:r>
+            <a:endParaRPr lang="en-US" dirty="0"/>
+          </a:p>
+        </p:txBody>
+      </p:sp>
+      <p:sp>
+        <p:nvSpPr>
+          <p:cNvPr id="33" name="Left Brace 32"/>
+          <p:cNvSpPr/>
+          <p:nvPr/>
+        </p:nvSpPr>
+        <p:spPr>
+          <a:xfrm>
+            <a:off x="5769902" y="1951322"/>
+            <a:ext cx="407332" cy="1812917"/>
+          </a:xfrm>
+          <a:prstGeom prst="leftBrace">
+            <a:avLst/>
+          </a:prstGeom>
+          <a:ln>
+            <a:solidFill>
+              <a:schemeClr val="tx1"/>
+            </a:solidFill>
+          </a:ln>
+        </p:spPr>
+        <p:style>
+          <a:lnRef idx="2">
+            <a:schemeClr val="accent1"/>
+          </a:lnRef>
+          <a:fillRef idx="0">
+            <a:schemeClr val="accent1"/>
+          </a:fillRef>
+          <a:effectRef idx="1">
+            <a:schemeClr val="accent1"/>
+          </a:effectRef>
+          <a:fontRef idx="minor">
+            <a:schemeClr val="tx1"/>
+          </a:fontRef>
+        </p:style>
+        <p:txBody>
+          <a:bodyPr rtlCol="0" anchor="ctr"/>
+          <a:lstStyle/>
+          <a:p>
+            <a:pPr algn="ctr"/>
+            <a:endParaRPr lang="en-US"/>
+          </a:p>
+        </p:txBody>
+      </p:sp>
+      <p:sp>
+        <p:nvSpPr>
+          <p:cNvPr id="21" name="Parallelogram 20"/>
+          <p:cNvSpPr/>
+          <p:nvPr/>
+        </p:nvSpPr>
+        <p:spPr>
+          <a:xfrm rot="18183485">
+            <a:off x="2385515" y="4431432"/>
+            <a:ext cx="998915" cy="164644"/>
+          </a:xfrm>
+          <a:prstGeom prst="parallelogram">
+            <a:avLst>
+              <a:gd name="adj" fmla="val 85628"/>
+            </a:avLst>
+          </a:prstGeom>
+          <a:solidFill>
+            <a:srgbClr val="FFFF00"/>
+          </a:solidFill>
+          <a:ln>
+            <a:solidFill>
+              <a:schemeClr val="tx1"/>
+            </a:solidFill>
+          </a:ln>
+        </p:spPr>
+        <p:style>
+          <a:lnRef idx="1">
+            <a:schemeClr val="accent1"/>
+          </a:lnRef>
+          <a:fillRef idx="3">
+            <a:schemeClr val="accent1"/>
+          </a:fillRef>
+          <a:effectRef idx="2">
+            <a:schemeClr val="accent1"/>
+          </a:effectRef>
+          <a:fontRef idx="minor">
+            <a:schemeClr val="lt1"/>
+          </a:fontRef>
+        </p:style>
+        <p:txBody>
+          <a:bodyPr rtlCol="0" anchor="ctr"/>
+          <a:lstStyle/>
+          <a:p>
+            <a:pPr algn="ctr"/>
+            <a:endParaRPr lang="en-US"/>
+          </a:p>
+        </p:txBody>
+      </p:sp>
+      <p:sp>
+        <p:nvSpPr>
+          <p:cNvPr id="38" name="Freeform 37"/>
+          <p:cNvSpPr/>
+          <p:nvPr/>
+        </p:nvSpPr>
+        <p:spPr>
+          <a:xfrm>
+            <a:off x="1606316" y="3049766"/>
+            <a:ext cx="2839342" cy="2669912"/>
+          </a:xfrm>
+          <a:custGeom>
+            <a:avLst/>
+            <a:gdLst>
+              <a:gd name="connsiteX0" fmla="*/ 2839342 w 2839342"/>
+              <a:gd name="connsiteY0" fmla="*/ 0 h 2669912"/>
+              <a:gd name="connsiteX1" fmla="*/ 2563794 w 2839342"/>
+              <a:gd name="connsiteY1" fmla="*/ 287559 h 2669912"/>
+              <a:gd name="connsiteX2" fmla="*/ 2455971 w 2839342"/>
+              <a:gd name="connsiteY2" fmla="*/ 1401853 h 2669912"/>
+              <a:gd name="connsiteX3" fmla="*/ 1030310 w 2839342"/>
+              <a:gd name="connsiteY3" fmla="*/ 2504166 h 2669912"/>
+              <a:gd name="connsiteX4" fmla="*/ 383371 w 2839342"/>
+              <a:gd name="connsiteY4" fmla="*/ 2396331 h 2669912"/>
+              <a:gd name="connsiteX5" fmla="*/ 0 w 2839342"/>
+              <a:gd name="connsiteY5" fmla="*/ 1605541 h 2669912"/>
+            </a:gdLst>
+            <a:ahLst/>
+            <a:cxnLst>
+              <a:cxn ang="0">
+                <a:pos x="connsiteX0" y="connsiteY0"/>
+              </a:cxn>
+              <a:cxn ang="0">
+                <a:pos x="connsiteX1" y="connsiteY1"/>
+              </a:cxn>
+              <a:cxn ang="0">
+                <a:pos x="connsiteX2" y="connsiteY2"/>
+              </a:cxn>
+              <a:cxn ang="0">
+                <a:pos x="connsiteX3" y="connsiteY3"/>
+              </a:cxn>
+              <a:cxn ang="0">
+                <a:pos x="connsiteX4" y="connsiteY4"/>
+              </a:cxn>
+              <a:cxn ang="0">
+                <a:pos x="connsiteX5" y="connsiteY5"/>
+              </a:cxn>
+            </a:cxnLst>
+            <a:rect l="l" t="t" r="r" b="b"/>
+            <a:pathLst>
+              <a:path w="2839342" h="2669912">
+                <a:moveTo>
+                  <a:pt x="2839342" y="0"/>
+                </a:moveTo>
+                <a:cubicBezTo>
+                  <a:pt x="2733515" y="26958"/>
+                  <a:pt x="2627689" y="53917"/>
+                  <a:pt x="2563794" y="287559"/>
+                </a:cubicBezTo>
+                <a:cubicBezTo>
+                  <a:pt x="2499899" y="521201"/>
+                  <a:pt x="2711552" y="1032418"/>
+                  <a:pt x="2455971" y="1401853"/>
+                </a:cubicBezTo>
+                <a:cubicBezTo>
+                  <a:pt x="2200390" y="1771288"/>
+                  <a:pt x="1375743" y="2338420"/>
+                  <a:pt x="1030310" y="2504166"/>
+                </a:cubicBezTo>
+                <a:cubicBezTo>
+                  <a:pt x="684877" y="2669912"/>
+                  <a:pt x="555089" y="2546102"/>
+                  <a:pt x="383371" y="2396331"/>
+                </a:cubicBezTo>
+                <a:cubicBezTo>
+                  <a:pt x="211653" y="2246560"/>
+                  <a:pt x="0" y="1605541"/>
+                  <a:pt x="0" y="1605541"/>
+                </a:cubicBezTo>
+              </a:path>
+            </a:pathLst>
+          </a:custGeom>
+          <a:ln>
+            <a:solidFill>
+              <a:schemeClr val="tx1"/>
+            </a:solidFill>
+          </a:ln>
+        </p:spPr>
+        <p:style>
+          <a:lnRef idx="2">
+            <a:schemeClr val="accent1"/>
+          </a:lnRef>
+          <a:fillRef idx="0">
+            <a:schemeClr val="accent1"/>
+          </a:fillRef>
+          <a:effectRef idx="1">
+            <a:schemeClr val="accent1"/>
+          </a:effectRef>
+          <a:fontRef idx="minor">
+            <a:schemeClr val="tx1"/>
+          </a:fontRef>
+        </p:style>
+        <p:txBody>
+          <a:bodyPr rtlCol="0" anchor="ctr"/>
+          <a:lstStyle/>
+          <a:p>
+            <a:pPr algn="ctr"/>
+            <a:endParaRPr lang="en-US"/>
+          </a:p>
+        </p:txBody>
+      </p:sp>
+      <p:cxnSp>
+        <p:nvCxnSpPr>
+          <p:cNvPr id="46" name="Straight Connector 45"/>
+          <p:cNvCxnSpPr/>
+          <p:nvPr/>
+        </p:nvCxnSpPr>
+        <p:spPr>
+          <a:xfrm>
+            <a:off x="5295482" y="2841325"/>
+            <a:ext cx="347262" cy="1588"/>
+          </a:xfrm>
+          <a:prstGeom prst="line">
+            <a:avLst/>
+          </a:prstGeom>
+          <a:ln>
+            <a:solidFill>
+              <a:schemeClr val="tx1"/>
+            </a:solidFill>
+          </a:ln>
+        </p:spPr>
+        <p:style>
+          <a:lnRef idx="2">
+            <a:schemeClr val="accent1"/>
+          </a:lnRef>
+          <a:fillRef idx="0">
+            <a:schemeClr val="accent1"/>
+          </a:fillRef>
+          <a:effectRef idx="1">
+            <a:schemeClr val="accent1"/>
+          </a:effectRef>
+          <a:fontRef idx="minor">
+            <a:schemeClr val="tx1"/>
+          </a:fontRef>
+        </p:style>
+      </p:cxnSp>
+      <p:grpSp>
+        <p:nvGrpSpPr>
+          <p:cNvPr id="2" name="Group 17"/>
+          <p:cNvGrpSpPr/>
+          <p:nvPr/>
+        </p:nvGrpSpPr>
+        <p:grpSpPr>
+          <a:xfrm rot="7294002">
+            <a:off x="2504196" y="4473159"/>
+            <a:ext cx="1029157" cy="313303"/>
+            <a:chOff x="5954372" y="1328187"/>
+            <a:chExt cx="1029157" cy="313303"/>
+          </a:xfrm>
+        </p:grpSpPr>
+        <p:cxnSp>
+          <p:nvCxnSpPr>
+            <p:cNvPr id="8" name="Straight Connector 7"/>
+            <p:cNvCxnSpPr/>
+            <p:nvPr/>
+          </p:nvCxnSpPr>
+          <p:spPr>
+            <a:xfrm rot="5400000">
+              <a:off x="6008532" y="1563209"/>
+              <a:ext cx="154971" cy="1590"/>
+            </a:xfrm>
+            <a:prstGeom prst="line">
+              <a:avLst/>
+            </a:prstGeom>
+            <a:ln>
+              <a:solidFill>
+                <a:schemeClr val="tx1"/>
+              </a:solidFill>
+            </a:ln>
+          </p:spPr>
+          <p:style>
+            <a:lnRef idx="2">
+              <a:schemeClr val="accent1"/>
+            </a:lnRef>
+            <a:fillRef idx="0">
+              <a:schemeClr val="accent1"/>
+            </a:fillRef>
+            <a:effectRef idx="1">
+              <a:schemeClr val="accent1"/>
+            </a:effectRef>
+            <a:fontRef idx="minor">
+              <a:schemeClr val="tx1"/>
+            </a:fontRef>
+          </p:style>
+        </p:cxnSp>
+        <p:cxnSp>
+          <p:nvCxnSpPr>
+            <p:cNvPr id="11" name="Straight Connector 10"/>
+            <p:cNvCxnSpPr/>
+            <p:nvPr/>
+          </p:nvCxnSpPr>
+          <p:spPr>
+            <a:xfrm rot="5400000">
+              <a:off x="6162522" y="1560638"/>
+              <a:ext cx="154971" cy="1590"/>
+            </a:xfrm>
+            <a:prstGeom prst="line">
+              <a:avLst/>
+            </a:prstGeom>
+            <a:ln>
+              <a:solidFill>
+                <a:schemeClr val="tx1"/>
+              </a:solidFill>
+            </a:ln>
+          </p:spPr>
+          <p:style>
+            <a:lnRef idx="2">
+              <a:schemeClr val="accent1"/>
+            </a:lnRef>
+            <a:fillRef idx="0">
+              <a:schemeClr val="accent1"/>
+            </a:fillRef>
+            <a:effectRef idx="1">
+              <a:schemeClr val="accent1"/>
+            </a:effectRef>
+            <a:fontRef idx="minor">
+              <a:schemeClr val="tx1"/>
+            </a:fontRef>
+          </p:style>
+        </p:cxnSp>
+        <p:cxnSp>
+          <p:nvCxnSpPr>
+            <p:cNvPr id="12" name="Straight Connector 11"/>
+            <p:cNvCxnSpPr/>
+            <p:nvPr/>
+          </p:nvCxnSpPr>
+          <p:spPr>
+            <a:xfrm rot="5400000">
+              <a:off x="6311741" y="1563209"/>
+              <a:ext cx="154971" cy="1590"/>
+            </a:xfrm>
+            <a:prstGeom prst="line">
+              <a:avLst/>
+            </a:prstGeom>
+            <a:ln>
+              <a:solidFill>
+                <a:schemeClr val="tx1"/>
+              </a:solidFill>
+            </a:ln>
+          </p:spPr>
+          <p:style>
+            <a:lnRef idx="2">
+              <a:schemeClr val="accent1"/>
+            </a:lnRef>
+            <a:fillRef idx="0">
+              <a:schemeClr val="accent1"/>
+            </a:fillRef>
+            <a:effectRef idx="1">
+              <a:schemeClr val="accent1"/>
+            </a:effectRef>
+            <a:fontRef idx="minor">
+              <a:schemeClr val="tx1"/>
+            </a:fontRef>
+          </p:style>
+        </p:cxnSp>
+        <p:cxnSp>
+          <p:nvCxnSpPr>
+            <p:cNvPr id="13" name="Straight Connector 12"/>
+            <p:cNvCxnSpPr/>
+            <p:nvPr/>
+          </p:nvCxnSpPr>
+          <p:spPr>
+            <a:xfrm rot="5400000">
+              <a:off x="6464141" y="1560638"/>
+              <a:ext cx="154971" cy="1590"/>
+            </a:xfrm>
+            <a:prstGeom prst="line">
+              <a:avLst/>
+            </a:prstGeom>
+            <a:ln>
+              <a:solidFill>
+                <a:schemeClr val="tx1"/>
+              </a:solidFill>
+            </a:ln>
+          </p:spPr>
+          <p:style>
+            <a:lnRef idx="2">
+              <a:schemeClr val="accent1"/>
+            </a:lnRef>
+            <a:fillRef idx="0">
+              <a:schemeClr val="accent1"/>
+            </a:fillRef>
+            <a:effectRef idx="1">
+              <a:schemeClr val="accent1"/>
+            </a:effectRef>
+            <a:fontRef idx="minor">
+              <a:schemeClr val="tx1"/>
+            </a:fontRef>
+          </p:style>
+        </p:cxnSp>
+        <p:cxnSp>
+          <p:nvCxnSpPr>
+            <p:cNvPr id="14" name="Straight Connector 13"/>
+            <p:cNvCxnSpPr/>
+            <p:nvPr/>
+          </p:nvCxnSpPr>
+          <p:spPr>
+            <a:xfrm rot="5400000">
+              <a:off x="6619722" y="1560638"/>
+              <a:ext cx="154971" cy="1590"/>
+            </a:xfrm>
+            <a:prstGeom prst="line">
+              <a:avLst/>
+            </a:prstGeom>
+            <a:ln>
+              <a:solidFill>
+                <a:schemeClr val="tx1"/>
+              </a:solidFill>
+            </a:ln>
+          </p:spPr>
+          <p:style>
+            <a:lnRef idx="2">
+              <a:schemeClr val="accent1"/>
+            </a:lnRef>
+            <a:fillRef idx="0">
+              <a:schemeClr val="accent1"/>
+            </a:fillRef>
+            <a:effectRef idx="1">
+              <a:schemeClr val="accent1"/>
+            </a:effectRef>
+            <a:fontRef idx="minor">
+              <a:schemeClr val="tx1"/>
+            </a:fontRef>
+          </p:style>
+        </p:cxnSp>
+        <p:cxnSp>
+          <p:nvCxnSpPr>
+            <p:cNvPr id="15" name="Straight Connector 14"/>
+            <p:cNvCxnSpPr/>
+            <p:nvPr/>
+          </p:nvCxnSpPr>
+          <p:spPr>
+            <a:xfrm rot="5400000">
+              <a:off x="6768941" y="1563210"/>
+              <a:ext cx="154971" cy="1590"/>
+            </a:xfrm>
+            <a:prstGeom prst="line">
+              <a:avLst/>
+            </a:prstGeom>
+            <a:ln>
+              <a:solidFill>
+                <a:schemeClr val="tx1"/>
+              </a:solidFill>
+            </a:ln>
+          </p:spPr>
+          <p:style>
+            <a:lnRef idx="2">
+              <a:schemeClr val="accent1"/>
+            </a:lnRef>
+            <a:fillRef idx="0">
+              <a:schemeClr val="accent1"/>
+            </a:fillRef>
+            <a:effectRef idx="1">
+              <a:schemeClr val="accent1"/>
+            </a:effectRef>
+            <a:fontRef idx="minor">
+              <a:schemeClr val="tx1"/>
+            </a:fontRef>
+          </p:style>
+        </p:cxnSp>
+        <p:sp>
+          <p:nvSpPr>
+            <p:cNvPr id="16" name="Cube 15"/>
+            <p:cNvSpPr/>
+            <p:nvPr/>
+          </p:nvSpPr>
+          <p:spPr>
+            <a:xfrm>
+              <a:off x="5954372" y="1328187"/>
+              <a:ext cx="1029157" cy="203688"/>
+            </a:xfrm>
+            <a:prstGeom prst="cube">
+              <a:avLst/>
+            </a:prstGeom>
+            <a:ln>
+              <a:solidFill>
+                <a:schemeClr val="tx1"/>
+              </a:solidFill>
+            </a:ln>
+          </p:spPr>
+          <p:style>
+            <a:lnRef idx="1">
+              <a:schemeClr val="accent1"/>
+            </a:lnRef>
+            <a:fillRef idx="3">
+              <a:schemeClr val="accent1"/>
+            </a:fillRef>
+            <a:effectRef idx="2">
+              <a:schemeClr val="accent1"/>
+            </a:effectRef>
+            <a:fontRef idx="minor">
+              <a:schemeClr val="lt1"/>
+            </a:fontRef>
+          </p:style>
+          <p:txBody>
+            <a:bodyPr rtlCol="0" anchor="ctr"/>
+            <a:lstStyle/>
+            <a:p>
+              <a:pPr algn="ctr"/>
+              <a:endParaRPr lang="en-US"/>
+            </a:p>
+          </p:txBody>
+        </p:sp>
+      </p:grpSp>
+      <p:pic>
+        <p:nvPicPr>
+          <p:cNvPr id="22" name="Picture 21" descr="Figure3a.pdf"/>
+          <p:cNvPicPr>
+            <a:picLocks noChangeAspect="1"/>
+          </p:cNvPicPr>
+          <p:nvPr/>
+        </p:nvPicPr>
+        <mc:AlternateContent>
+          <mc:Choice xmlns:ma="http://schemas.microsoft.com/office/mac/drawingml/2008/main" Requires="ma">
+            <p:blipFill>
+              <a:blip r:embed="rId4"/>
+              <a:stretch>
+                <a:fillRect/>
+              </a:stretch>
+            </p:blipFill>
+          </mc:Choice>
+          <mc:Fallback>
+            <p:blipFill>
+              <a:blip r:embed="rId5"/>
+              <a:stretch>
+                <a:fillRect/>
+              </a:stretch>
+            </p:blipFill>
+          </mc:Fallback>
+        </mc:AlternateContent>
+        <p:spPr>
+          <a:xfrm>
+            <a:off x="4465402" y="3891164"/>
+            <a:ext cx="2489200" cy="2286000"/>
+          </a:xfrm>
+          <a:prstGeom prst="rect">
+            <a:avLst/>
+          </a:prstGeom>
+        </p:spPr>
+      </p:pic>
+      <p:pic>
+        <p:nvPicPr>
+          <p:cNvPr id="23" name="Picture 22" descr="Figure3b.pdf"/>
+          <p:cNvPicPr>
+            <a:picLocks noChangeAspect="1"/>
+          </p:cNvPicPr>
+          <p:nvPr/>
+        </p:nvPicPr>
+        <mc:AlternateContent>
+          <mc:Choice xmlns:ma="http://schemas.microsoft.com/office/mac/drawingml/2008/main" Requires="ma">
+            <p:blipFill>
+              <a:blip r:embed="rId6"/>
+              <a:srcRect l="6118"/>
+              <a:stretch>
+                <a:fillRect/>
+              </a:stretch>
+            </p:blipFill>
+          </mc:Choice>
+          <mc:Fallback>
+            <p:blipFill>
+              <a:blip r:embed="rId7"/>
+              <a:srcRect l="6118"/>
+              <a:stretch>
+                <a:fillRect/>
+              </a:stretch>
+            </p:blipFill>
+          </mc:Fallback>
+        </mc:AlternateContent>
+        <p:spPr>
+          <a:xfrm>
+            <a:off x="6411434" y="2106235"/>
+            <a:ext cx="3782810" cy="1582298"/>
+          </a:xfrm>
+          <a:prstGeom prst="rect">
+            <a:avLst/>
+          </a:prstGeom>
+        </p:spPr>
+      </p:pic>
+      <p:cxnSp>
+        <p:nvCxnSpPr>
+          <p:cNvPr id="26" name="Straight Connector 25"/>
+          <p:cNvCxnSpPr/>
+          <p:nvPr/>
+        </p:nvCxnSpPr>
+        <p:spPr>
+          <a:xfrm>
+            <a:off x="3139800" y="4050243"/>
+            <a:ext cx="1325602" cy="1588"/>
+          </a:xfrm>
+          <a:prstGeom prst="line">
+            <a:avLst/>
+          </a:prstGeom>
+          <a:ln w="38100" cmpd="sng">
+            <a:solidFill>
+              <a:srgbClr val="FFFF00"/>
+            </a:solidFill>
+          </a:ln>
+        </p:spPr>
+        <p:style>
+          <a:lnRef idx="2">
+            <a:schemeClr val="accent1"/>
+          </a:lnRef>
+          <a:fillRef idx="0">
+            <a:schemeClr val="accent1"/>
+          </a:fillRef>
+          <a:effectRef idx="1">
+            <a:schemeClr val="accent1"/>
+          </a:effectRef>
+          <a:fontRef idx="minor">
+            <a:schemeClr val="tx1"/>
+          </a:fontRef>
+        </p:style>
+      </p:cxnSp>
+      <p:cxnSp>
+        <p:nvCxnSpPr>
+          <p:cNvPr id="28" name="Straight Connector 27"/>
+          <p:cNvCxnSpPr/>
+          <p:nvPr/>
+        </p:nvCxnSpPr>
+        <p:spPr>
+          <a:xfrm rot="16200000" flipH="1">
+            <a:off x="3149078" y="4506975"/>
+            <a:ext cx="846399" cy="1794682"/>
+          </a:xfrm>
+          <a:prstGeom prst="line">
+            <a:avLst/>
+          </a:prstGeom>
+          <a:ln w="38100" cmpd="sng">
+            <a:solidFill>
+              <a:srgbClr val="FFFF00"/>
+            </a:solidFill>
+          </a:ln>
+        </p:spPr>
+        <p:style>
+          <a:lnRef idx="2">
+            <a:schemeClr val="accent1"/>
+          </a:lnRef>
+          <a:fillRef idx="0">
+            <a:schemeClr val="accent1"/>
+          </a:fillRef>
+          <a:effectRef idx="1">
+            <a:schemeClr val="accent1"/>
+          </a:effectRef>
+          <a:fontRef idx="minor">
+            <a:schemeClr val="tx1"/>
+          </a:fontRef>
+        </p:style>
+      </p:cxnSp>
     </p:spTree>
   </p:cSld>
   <p:clrMapOvr>

--- a/ltx/BrainIDETalk/Figures/BrainElectrode.pptx
+++ b/ltx/BrainIDETalk/Figures/BrainElectrode.pptx
@@ -12,6 +12,7 @@
     <p:sldId id="260" r:id="rId6"/>
     <p:sldId id="261" r:id="rId7"/>
     <p:sldId id="262" r:id="rId8"/>
+    <p:sldId id="263" r:id="rId9"/>
   </p:sldIdLst>
   <p:sldSz cx="9144000" cy="6858000" type="screen4x3"/>
   <p:notesSz cx="6858000" cy="9144000"/>
@@ -295,7 +296,7 @@
             <a:fld id="{52A44C4A-09FB-C849-B41D-C17F84D6146B}" type="datetimeFigureOut">
               <a:rPr lang="en-US" smtClean="0"/>
               <a:pPr/>
-              <a:t>3/20/11</a:t>
+              <a:t>7/28/11</a:t>
             </a:fld>
             <a:endParaRPr lang="en-US"/>
           </a:p>
@@ -462,7 +463,7 @@
             <a:fld id="{52A44C4A-09FB-C849-B41D-C17F84D6146B}" type="datetimeFigureOut">
               <a:rPr lang="en-US" smtClean="0"/>
               <a:pPr/>
-              <a:t>3/20/11</a:t>
+              <a:t>7/28/11</a:t>
             </a:fld>
             <a:endParaRPr lang="en-US"/>
           </a:p>
@@ -639,7 +640,7 @@
             <a:fld id="{52A44C4A-09FB-C849-B41D-C17F84D6146B}" type="datetimeFigureOut">
               <a:rPr lang="en-US" smtClean="0"/>
               <a:pPr/>
-              <a:t>3/20/11</a:t>
+              <a:t>7/28/11</a:t>
             </a:fld>
             <a:endParaRPr lang="en-US"/>
           </a:p>
@@ -806,7 +807,7 @@
             <a:fld id="{52A44C4A-09FB-C849-B41D-C17F84D6146B}" type="datetimeFigureOut">
               <a:rPr lang="en-US" smtClean="0"/>
               <a:pPr/>
-              <a:t>3/20/11</a:t>
+              <a:t>7/28/11</a:t>
             </a:fld>
             <a:endParaRPr lang="en-US"/>
           </a:p>
@@ -1049,7 +1050,7 @@
             <a:fld id="{52A44C4A-09FB-C849-B41D-C17F84D6146B}" type="datetimeFigureOut">
               <a:rPr lang="en-US" smtClean="0"/>
               <a:pPr/>
-              <a:t>3/20/11</a:t>
+              <a:t>7/28/11</a:t>
             </a:fld>
             <a:endParaRPr lang="en-US"/>
           </a:p>
@@ -1334,7 +1335,7 @@
             <a:fld id="{52A44C4A-09FB-C849-B41D-C17F84D6146B}" type="datetimeFigureOut">
               <a:rPr lang="en-US" smtClean="0"/>
               <a:pPr/>
-              <a:t>3/20/11</a:t>
+              <a:t>7/28/11</a:t>
             </a:fld>
             <a:endParaRPr lang="en-US"/>
           </a:p>
@@ -1753,7 +1754,7 @@
             <a:fld id="{52A44C4A-09FB-C849-B41D-C17F84D6146B}" type="datetimeFigureOut">
               <a:rPr lang="en-US" smtClean="0"/>
               <a:pPr/>
-              <a:t>3/20/11</a:t>
+              <a:t>7/28/11</a:t>
             </a:fld>
             <a:endParaRPr lang="en-US"/>
           </a:p>
@@ -1868,7 +1869,7 @@
             <a:fld id="{52A44C4A-09FB-C849-B41D-C17F84D6146B}" type="datetimeFigureOut">
               <a:rPr lang="en-US" smtClean="0"/>
               <a:pPr/>
-              <a:t>3/20/11</a:t>
+              <a:t>7/28/11</a:t>
             </a:fld>
             <a:endParaRPr lang="en-US"/>
           </a:p>
@@ -1960,7 +1961,7 @@
             <a:fld id="{52A44C4A-09FB-C849-B41D-C17F84D6146B}" type="datetimeFigureOut">
               <a:rPr lang="en-US" smtClean="0"/>
               <a:pPr/>
-              <a:t>3/20/11</a:t>
+              <a:t>7/28/11</a:t>
             </a:fld>
             <a:endParaRPr lang="en-US"/>
           </a:p>
@@ -2234,7 +2235,7 @@
             <a:fld id="{52A44C4A-09FB-C849-B41D-C17F84D6146B}" type="datetimeFigureOut">
               <a:rPr lang="en-US" smtClean="0"/>
               <a:pPr/>
-              <a:t>3/20/11</a:t>
+              <a:t>7/28/11</a:t>
             </a:fld>
             <a:endParaRPr lang="en-US"/>
           </a:p>
@@ -2484,7 +2485,7 @@
             <a:fld id="{52A44C4A-09FB-C849-B41D-C17F84D6146B}" type="datetimeFigureOut">
               <a:rPr lang="en-US" smtClean="0"/>
               <a:pPr/>
-              <a:t>3/20/11</a:t>
+              <a:t>7/28/11</a:t>
             </a:fld>
             <a:endParaRPr lang="en-US"/>
           </a:p>
@@ -2694,7 +2695,7 @@
             <a:fld id="{52A44C4A-09FB-C849-B41D-C17F84D6146B}" type="datetimeFigureOut">
               <a:rPr lang="en-US" smtClean="0"/>
               <a:pPr/>
-              <a:t>3/20/11</a:t>
+              <a:t>7/28/11</a:t>
             </a:fld>
             <a:endParaRPr lang="en-US"/>
           </a:p>
@@ -3835,6 +3836,13 @@
   <p:clrMapOvr>
     <a:masterClrMapping/>
   </p:clrMapOvr>
+  <p:timing>
+    <p:tnLst>
+      <p:par>
+        <p:cTn id="1" dur="indefinite" restart="never" nodeType="tmRoot"/>
+      </p:par>
+    </p:tnLst>
+  </p:timing>
 </p:sld>
 </file>
 
@@ -7465,8 +7473,8 @@
           </p:cNvPicPr>
           <p:nvPr/>
         </p:nvPicPr>
-        <mc:AlternateContent xmlns:ma="http://schemas.microsoft.com/office/mac/drawingml/2008/main">
-          <mc:Choice Requires="ma">
+        <mc:AlternateContent>
+          <mc:Choice xmlns:ma="http://schemas.microsoft.com/office/mac/drawingml/2008/main" Requires="ma">
             <p:blipFill>
               <a:blip r:embed="rId2"/>
               <a:srcRect l="19746" t="70583" r="27072" b="3070"/>
@@ -7475,7 +7483,7 @@
               </a:stretch>
             </p:blipFill>
           </mc:Choice>
-          <mc:Fallback xmlns:p="http://schemas.openxmlformats.org/presentationml/2006/main" xmlns:mv="urn:schemas-microsoft-com:mac:vml" xmlns:mc="http://schemas.openxmlformats.org/markup-compatibility/2006" xmlns:r="http://schemas.openxmlformats.org/officeDocument/2006/relationships" xmlns:a="http://schemas.openxmlformats.org/drawingml/2006/main" xmlns="" xmlns:ma="http://schemas.microsoft.com/office/mac/drawingml/2008/main">
+          <mc:Fallback>
             <p:blipFill>
               <a:blip r:embed="rId3"/>
               <a:srcRect l="19746" t="70583" r="27072" b="3070"/>
@@ -8305,6 +8313,1117 @@
   <p:clrMapOvr>
     <a:masterClrMapping/>
   </p:clrMapOvr>
+</p:sld>
+</file>
+
+<file path=ppt/slides/slide8.xml><?xml version="1.0" encoding="utf-8"?>
+<p:sld xmlns:a="http://schemas.openxmlformats.org/drawingml/2006/main" xmlns:r="http://schemas.openxmlformats.org/officeDocument/2006/relationships" xmlns:mc="http://schemas.openxmlformats.org/markup-compatibility/2006" xmlns:mv="urn:schemas-microsoft-com:mac:vml" xmlns:p="http://schemas.openxmlformats.org/presentationml/2006/main" mc:Ignorable="mv" mc:PreserveAttributes="mv:*">
+  <p:cSld>
+    <p:spTree>
+      <p:nvGrpSpPr>
+        <p:cNvPr id="1" name=""/>
+        <p:cNvGrpSpPr/>
+        <p:nvPr/>
+      </p:nvGrpSpPr>
+      <p:grpSpPr>
+        <a:xfrm>
+          <a:off x="0" y="0"/>
+          <a:ext cx="0" cy="0"/>
+          <a:chOff x="0" y="0"/>
+          <a:chExt cx="0" cy="0"/>
+        </a:xfrm>
+      </p:grpSpPr>
+      <p:grpSp>
+        <p:nvGrpSpPr>
+          <p:cNvPr id="36" name="Group 35"/>
+          <p:cNvGrpSpPr/>
+          <p:nvPr/>
+        </p:nvGrpSpPr>
+        <p:grpSpPr>
+          <a:xfrm>
+            <a:off x="-178879" y="635039"/>
+            <a:ext cx="9447360" cy="5937531"/>
+            <a:chOff x="-178879" y="946571"/>
+            <a:chExt cx="9447360" cy="5937531"/>
+          </a:xfrm>
+        </p:grpSpPr>
+        <p:pic>
+          <p:nvPicPr>
+            <p:cNvPr id="4" name="Picture 3" descr="CoronalHalfBrain.pdf"/>
+            <p:cNvPicPr>
+              <a:picLocks noChangeAspect="1"/>
+            </p:cNvPicPr>
+            <p:nvPr/>
+          </p:nvPicPr>
+          <mc:AlternateContent>
+            <mc:Choice xmlns:ma="http://schemas.microsoft.com/office/mac/drawingml/2008/main" Requires="ma">
+              <p:blipFill>
+                <a:blip r:embed="rId2"/>
+                <a:srcRect l="19746" t="70583" r="27072" b="3070"/>
+                <a:stretch>
+                  <a:fillRect/>
+                </a:stretch>
+              </p:blipFill>
+            </mc:Choice>
+            <mc:Fallback>
+              <p:blipFill>
+                <a:blip r:embed="rId3"/>
+                <a:srcRect l="19746" t="70583" r="27072" b="3070"/>
+                <a:stretch>
+                  <a:fillRect/>
+                </a:stretch>
+              </p:blipFill>
+            </mc:Fallback>
+          </mc:AlternateContent>
+          <p:spPr>
+            <a:xfrm rot="5400000">
+              <a:off x="-918352" y="2075883"/>
+              <a:ext cx="4953248" cy="3474302"/>
+            </a:xfrm>
+            <a:prstGeom prst="rect">
+              <a:avLst/>
+            </a:prstGeom>
+          </p:spPr>
+        </p:pic>
+        <p:cxnSp>
+          <p:nvCxnSpPr>
+            <p:cNvPr id="20" name="Curved Connector 19"/>
+            <p:cNvCxnSpPr/>
+            <p:nvPr/>
+          </p:nvCxnSpPr>
+          <p:spPr>
+            <a:xfrm flipV="1">
+              <a:off x="2619028" y="3355318"/>
+              <a:ext cx="1331305" cy="2015086"/>
+            </a:xfrm>
+            <a:prstGeom prst="curvedConnector3">
+              <a:avLst>
+                <a:gd name="adj1" fmla="val 50000"/>
+              </a:avLst>
+            </a:prstGeom>
+            <a:ln>
+              <a:solidFill>
+                <a:schemeClr val="tx1"/>
+              </a:solidFill>
+            </a:ln>
+          </p:spPr>
+          <p:style>
+            <a:lnRef idx="2">
+              <a:schemeClr val="accent1"/>
+            </a:lnRef>
+            <a:fillRef idx="0">
+              <a:schemeClr val="accent1"/>
+            </a:fillRef>
+            <a:effectRef idx="1">
+              <a:schemeClr val="accent1"/>
+            </a:effectRef>
+            <a:fontRef idx="minor">
+              <a:schemeClr val="tx1"/>
+            </a:fontRef>
+          </p:style>
+        </p:cxnSp>
+        <p:sp>
+          <p:nvSpPr>
+            <p:cNvPr id="30" name="Isosceles Triangle 29"/>
+            <p:cNvSpPr/>
+            <p:nvPr/>
+          </p:nvSpPr>
+          <p:spPr>
+            <a:xfrm rot="5400000">
+              <a:off x="3888014" y="3130000"/>
+              <a:ext cx="974554" cy="834061"/>
+            </a:xfrm>
+            <a:prstGeom prst="triangle">
+              <a:avLst>
+                <a:gd name="adj" fmla="val 50000"/>
+              </a:avLst>
+            </a:prstGeom>
+            <a:gradFill flip="none" rotWithShape="1">
+              <a:gsLst>
+                <a:gs pos="0">
+                  <a:schemeClr val="bg1">
+                    <a:lumMod val="65000"/>
+                  </a:schemeClr>
+                </a:gs>
+                <a:gs pos="100000">
+                  <a:srgbClr val="FFFFFF"/>
+                </a:gs>
+              </a:gsLst>
+              <a:lin ang="0" scaled="1"/>
+              <a:tileRect/>
+            </a:gradFill>
+            <a:ln>
+              <a:solidFill>
+                <a:schemeClr val="tx1"/>
+              </a:solidFill>
+            </a:ln>
+          </p:spPr>
+          <p:style>
+            <a:lnRef idx="1">
+              <a:schemeClr val="accent1"/>
+            </a:lnRef>
+            <a:fillRef idx="3">
+              <a:schemeClr val="accent1"/>
+            </a:fillRef>
+            <a:effectRef idx="2">
+              <a:schemeClr val="accent1"/>
+            </a:effectRef>
+            <a:fontRef idx="minor">
+              <a:schemeClr val="lt1"/>
+            </a:fontRef>
+          </p:style>
+          <p:txBody>
+            <a:bodyPr rtlCol="0" anchor="ctr"/>
+            <a:lstStyle/>
+            <a:p>
+              <a:pPr algn="ctr"/>
+              <a:endParaRPr lang="en-US"/>
+            </a:p>
+          </p:txBody>
+        </p:sp>
+        <p:sp>
+          <p:nvSpPr>
+            <p:cNvPr id="31" name="TextBox 30"/>
+            <p:cNvSpPr txBox="1"/>
+            <p:nvPr/>
+          </p:nvSpPr>
+          <p:spPr>
+            <a:xfrm>
+              <a:off x="4015749" y="3152685"/>
+              <a:ext cx="300082" cy="369332"/>
+            </a:xfrm>
+            <a:prstGeom prst="rect">
+              <a:avLst/>
+            </a:prstGeom>
+            <a:noFill/>
+          </p:spPr>
+          <p:txBody>
+            <a:bodyPr wrap="none" rtlCol="0">
+              <a:spAutoFit/>
+            </a:bodyPr>
+            <a:lstStyle/>
+            <a:p>
+              <a:r>
+                <a:rPr lang="en-US" dirty="0" smtClean="0"/>
+                <a:t>+</a:t>
+              </a:r>
+              <a:endParaRPr lang="en-US" dirty="0"/>
+            </a:p>
+          </p:txBody>
+        </p:sp>
+        <p:sp>
+          <p:nvSpPr>
+            <p:cNvPr id="32" name="TextBox 31"/>
+            <p:cNvSpPr txBox="1"/>
+            <p:nvPr/>
+          </p:nvSpPr>
+          <p:spPr>
+            <a:xfrm>
+              <a:off x="4039709" y="3522017"/>
+              <a:ext cx="255336" cy="369332"/>
+            </a:xfrm>
+            <a:prstGeom prst="rect">
+              <a:avLst/>
+            </a:prstGeom>
+            <a:noFill/>
+          </p:spPr>
+          <p:txBody>
+            <a:bodyPr wrap="none" rtlCol="0">
+              <a:spAutoFit/>
+            </a:bodyPr>
+            <a:lstStyle/>
+            <a:p>
+              <a:r>
+                <a:rPr lang="en-US" dirty="0" smtClean="0"/>
+                <a:t>-</a:t>
+              </a:r>
+              <a:endParaRPr lang="en-US" dirty="0"/>
+            </a:p>
+          </p:txBody>
+        </p:sp>
+        <p:sp>
+          <p:nvSpPr>
+            <p:cNvPr id="33" name="Left Brace 32"/>
+            <p:cNvSpPr/>
+            <p:nvPr/>
+          </p:nvSpPr>
+          <p:spPr>
+            <a:xfrm>
+              <a:off x="5266742" y="2658260"/>
+              <a:ext cx="407332" cy="1812917"/>
+            </a:xfrm>
+            <a:prstGeom prst="leftBrace">
+              <a:avLst/>
+            </a:prstGeom>
+            <a:ln>
+              <a:solidFill>
+                <a:schemeClr val="tx1"/>
+              </a:solidFill>
+            </a:ln>
+          </p:spPr>
+          <p:style>
+            <a:lnRef idx="2">
+              <a:schemeClr val="accent1"/>
+            </a:lnRef>
+            <a:fillRef idx="0">
+              <a:schemeClr val="accent1"/>
+            </a:fillRef>
+            <a:effectRef idx="1">
+              <a:schemeClr val="accent1"/>
+            </a:effectRef>
+            <a:fontRef idx="minor">
+              <a:schemeClr val="tx1"/>
+            </a:fontRef>
+          </p:style>
+          <p:txBody>
+            <a:bodyPr rtlCol="0" anchor="ctr"/>
+            <a:lstStyle/>
+            <a:p>
+              <a:pPr algn="ctr"/>
+              <a:endParaRPr lang="en-US"/>
+            </a:p>
+          </p:txBody>
+        </p:sp>
+        <p:sp>
+          <p:nvSpPr>
+            <p:cNvPr id="21" name="Parallelogram 20"/>
+            <p:cNvSpPr/>
+            <p:nvPr/>
+          </p:nvSpPr>
+          <p:spPr>
+            <a:xfrm rot="18183485">
+              <a:off x="1882355" y="5138370"/>
+              <a:ext cx="998915" cy="164644"/>
+            </a:xfrm>
+            <a:prstGeom prst="parallelogram">
+              <a:avLst>
+                <a:gd name="adj" fmla="val 85628"/>
+              </a:avLst>
+            </a:prstGeom>
+            <a:solidFill>
+              <a:srgbClr val="FFFF00"/>
+            </a:solidFill>
+            <a:ln>
+              <a:solidFill>
+                <a:schemeClr val="tx1"/>
+              </a:solidFill>
+            </a:ln>
+          </p:spPr>
+          <p:style>
+            <a:lnRef idx="1">
+              <a:schemeClr val="accent1"/>
+            </a:lnRef>
+            <a:fillRef idx="3">
+              <a:schemeClr val="accent1"/>
+            </a:fillRef>
+            <a:effectRef idx="2">
+              <a:schemeClr val="accent1"/>
+            </a:effectRef>
+            <a:fontRef idx="minor">
+              <a:schemeClr val="lt1"/>
+            </a:fontRef>
+          </p:style>
+          <p:txBody>
+            <a:bodyPr rtlCol="0" anchor="ctr"/>
+            <a:lstStyle/>
+            <a:p>
+              <a:pPr algn="ctr"/>
+              <a:endParaRPr lang="en-US"/>
+            </a:p>
+          </p:txBody>
+        </p:sp>
+        <p:sp>
+          <p:nvSpPr>
+            <p:cNvPr id="38" name="Freeform 37"/>
+            <p:cNvSpPr/>
+            <p:nvPr/>
+          </p:nvSpPr>
+          <p:spPr>
+            <a:xfrm>
+              <a:off x="1103156" y="3756704"/>
+              <a:ext cx="2839342" cy="2669912"/>
+            </a:xfrm>
+            <a:custGeom>
+              <a:avLst/>
+              <a:gdLst>
+                <a:gd name="connsiteX0" fmla="*/ 2839342 w 2839342"/>
+                <a:gd name="connsiteY0" fmla="*/ 0 h 2669912"/>
+                <a:gd name="connsiteX1" fmla="*/ 2563794 w 2839342"/>
+                <a:gd name="connsiteY1" fmla="*/ 287559 h 2669912"/>
+                <a:gd name="connsiteX2" fmla="*/ 2455971 w 2839342"/>
+                <a:gd name="connsiteY2" fmla="*/ 1401853 h 2669912"/>
+                <a:gd name="connsiteX3" fmla="*/ 1030310 w 2839342"/>
+                <a:gd name="connsiteY3" fmla="*/ 2504166 h 2669912"/>
+                <a:gd name="connsiteX4" fmla="*/ 383371 w 2839342"/>
+                <a:gd name="connsiteY4" fmla="*/ 2396331 h 2669912"/>
+                <a:gd name="connsiteX5" fmla="*/ 0 w 2839342"/>
+                <a:gd name="connsiteY5" fmla="*/ 1605541 h 2669912"/>
+              </a:gdLst>
+              <a:ahLst/>
+              <a:cxnLst>
+                <a:cxn ang="0">
+                  <a:pos x="connsiteX0" y="connsiteY0"/>
+                </a:cxn>
+                <a:cxn ang="0">
+                  <a:pos x="connsiteX1" y="connsiteY1"/>
+                </a:cxn>
+                <a:cxn ang="0">
+                  <a:pos x="connsiteX2" y="connsiteY2"/>
+                </a:cxn>
+                <a:cxn ang="0">
+                  <a:pos x="connsiteX3" y="connsiteY3"/>
+                </a:cxn>
+                <a:cxn ang="0">
+                  <a:pos x="connsiteX4" y="connsiteY4"/>
+                </a:cxn>
+                <a:cxn ang="0">
+                  <a:pos x="connsiteX5" y="connsiteY5"/>
+                </a:cxn>
+              </a:cxnLst>
+              <a:rect l="l" t="t" r="r" b="b"/>
+              <a:pathLst>
+                <a:path w="2839342" h="2669912">
+                  <a:moveTo>
+                    <a:pt x="2839342" y="0"/>
+                  </a:moveTo>
+                  <a:cubicBezTo>
+                    <a:pt x="2733515" y="26958"/>
+                    <a:pt x="2627689" y="53917"/>
+                    <a:pt x="2563794" y="287559"/>
+                  </a:cubicBezTo>
+                  <a:cubicBezTo>
+                    <a:pt x="2499899" y="521201"/>
+                    <a:pt x="2711552" y="1032418"/>
+                    <a:pt x="2455971" y="1401853"/>
+                  </a:cubicBezTo>
+                  <a:cubicBezTo>
+                    <a:pt x="2200390" y="1771288"/>
+                    <a:pt x="1375743" y="2338420"/>
+                    <a:pt x="1030310" y="2504166"/>
+                  </a:cubicBezTo>
+                  <a:cubicBezTo>
+                    <a:pt x="684877" y="2669912"/>
+                    <a:pt x="555089" y="2546102"/>
+                    <a:pt x="383371" y="2396331"/>
+                  </a:cubicBezTo>
+                  <a:cubicBezTo>
+                    <a:pt x="211653" y="2246560"/>
+                    <a:pt x="0" y="1605541"/>
+                    <a:pt x="0" y="1605541"/>
+                  </a:cubicBezTo>
+                </a:path>
+              </a:pathLst>
+            </a:custGeom>
+            <a:ln>
+              <a:solidFill>
+                <a:schemeClr val="tx1"/>
+              </a:solidFill>
+            </a:ln>
+          </p:spPr>
+          <p:style>
+            <a:lnRef idx="2">
+              <a:schemeClr val="accent1"/>
+            </a:lnRef>
+            <a:fillRef idx="0">
+              <a:schemeClr val="accent1"/>
+            </a:fillRef>
+            <a:effectRef idx="1">
+              <a:schemeClr val="accent1"/>
+            </a:effectRef>
+            <a:fontRef idx="minor">
+              <a:schemeClr val="tx1"/>
+            </a:fontRef>
+          </p:style>
+          <p:txBody>
+            <a:bodyPr rtlCol="0" anchor="ctr"/>
+            <a:lstStyle/>
+            <a:p>
+              <a:pPr algn="ctr"/>
+              <a:endParaRPr lang="en-US"/>
+            </a:p>
+          </p:txBody>
+        </p:sp>
+        <p:cxnSp>
+          <p:nvCxnSpPr>
+            <p:cNvPr id="46" name="Straight Connector 45"/>
+            <p:cNvCxnSpPr/>
+            <p:nvPr/>
+          </p:nvCxnSpPr>
+          <p:spPr>
+            <a:xfrm>
+              <a:off x="4792322" y="3548263"/>
+              <a:ext cx="347262" cy="1588"/>
+            </a:xfrm>
+            <a:prstGeom prst="line">
+              <a:avLst/>
+            </a:prstGeom>
+            <a:ln>
+              <a:solidFill>
+                <a:schemeClr val="tx1"/>
+              </a:solidFill>
+            </a:ln>
+          </p:spPr>
+          <p:style>
+            <a:lnRef idx="2">
+              <a:schemeClr val="accent1"/>
+            </a:lnRef>
+            <a:fillRef idx="0">
+              <a:schemeClr val="accent1"/>
+            </a:fillRef>
+            <a:effectRef idx="1">
+              <a:schemeClr val="accent1"/>
+            </a:effectRef>
+            <a:fontRef idx="minor">
+              <a:schemeClr val="tx1"/>
+            </a:fontRef>
+          </p:style>
+        </p:cxnSp>
+        <p:grpSp>
+          <p:nvGrpSpPr>
+            <p:cNvPr id="2" name="Group 17"/>
+            <p:cNvGrpSpPr/>
+            <p:nvPr/>
+          </p:nvGrpSpPr>
+          <p:grpSpPr>
+            <a:xfrm rot="7294002">
+              <a:off x="2001036" y="5180097"/>
+              <a:ext cx="1029157" cy="313303"/>
+              <a:chOff x="5954372" y="1328187"/>
+              <a:chExt cx="1029157" cy="313303"/>
+            </a:xfrm>
+          </p:grpSpPr>
+          <p:cxnSp>
+            <p:nvCxnSpPr>
+              <p:cNvPr id="8" name="Straight Connector 7"/>
+              <p:cNvCxnSpPr/>
+              <p:nvPr/>
+            </p:nvCxnSpPr>
+            <p:spPr>
+              <a:xfrm rot="5400000">
+                <a:off x="6008532" y="1563209"/>
+                <a:ext cx="154971" cy="1590"/>
+              </a:xfrm>
+              <a:prstGeom prst="line">
+                <a:avLst/>
+              </a:prstGeom>
+              <a:ln>
+                <a:solidFill>
+                  <a:schemeClr val="tx1"/>
+                </a:solidFill>
+              </a:ln>
+            </p:spPr>
+            <p:style>
+              <a:lnRef idx="2">
+                <a:schemeClr val="accent1"/>
+              </a:lnRef>
+              <a:fillRef idx="0">
+                <a:schemeClr val="accent1"/>
+              </a:fillRef>
+              <a:effectRef idx="1">
+                <a:schemeClr val="accent1"/>
+              </a:effectRef>
+              <a:fontRef idx="minor">
+                <a:schemeClr val="tx1"/>
+              </a:fontRef>
+            </p:style>
+          </p:cxnSp>
+          <p:cxnSp>
+            <p:nvCxnSpPr>
+              <p:cNvPr id="11" name="Straight Connector 10"/>
+              <p:cNvCxnSpPr/>
+              <p:nvPr/>
+            </p:nvCxnSpPr>
+            <p:spPr>
+              <a:xfrm rot="5400000">
+                <a:off x="6162522" y="1560638"/>
+                <a:ext cx="154971" cy="1590"/>
+              </a:xfrm>
+              <a:prstGeom prst="line">
+                <a:avLst/>
+              </a:prstGeom>
+              <a:ln>
+                <a:solidFill>
+                  <a:schemeClr val="tx1"/>
+                </a:solidFill>
+              </a:ln>
+            </p:spPr>
+            <p:style>
+              <a:lnRef idx="2">
+                <a:schemeClr val="accent1"/>
+              </a:lnRef>
+              <a:fillRef idx="0">
+                <a:schemeClr val="accent1"/>
+              </a:fillRef>
+              <a:effectRef idx="1">
+                <a:schemeClr val="accent1"/>
+              </a:effectRef>
+              <a:fontRef idx="minor">
+                <a:schemeClr val="tx1"/>
+              </a:fontRef>
+            </p:style>
+          </p:cxnSp>
+          <p:cxnSp>
+            <p:nvCxnSpPr>
+              <p:cNvPr id="12" name="Straight Connector 11"/>
+              <p:cNvCxnSpPr/>
+              <p:nvPr/>
+            </p:nvCxnSpPr>
+            <p:spPr>
+              <a:xfrm rot="5400000">
+                <a:off x="6311741" y="1563209"/>
+                <a:ext cx="154971" cy="1590"/>
+              </a:xfrm>
+              <a:prstGeom prst="line">
+                <a:avLst/>
+              </a:prstGeom>
+              <a:ln>
+                <a:solidFill>
+                  <a:schemeClr val="tx1"/>
+                </a:solidFill>
+              </a:ln>
+            </p:spPr>
+            <p:style>
+              <a:lnRef idx="2">
+                <a:schemeClr val="accent1"/>
+              </a:lnRef>
+              <a:fillRef idx="0">
+                <a:schemeClr val="accent1"/>
+              </a:fillRef>
+              <a:effectRef idx="1">
+                <a:schemeClr val="accent1"/>
+              </a:effectRef>
+              <a:fontRef idx="minor">
+                <a:schemeClr val="tx1"/>
+              </a:fontRef>
+            </p:style>
+          </p:cxnSp>
+          <p:cxnSp>
+            <p:nvCxnSpPr>
+              <p:cNvPr id="13" name="Straight Connector 12"/>
+              <p:cNvCxnSpPr/>
+              <p:nvPr/>
+            </p:nvCxnSpPr>
+            <p:spPr>
+              <a:xfrm rot="5400000">
+                <a:off x="6464141" y="1560638"/>
+                <a:ext cx="154971" cy="1590"/>
+              </a:xfrm>
+              <a:prstGeom prst="line">
+                <a:avLst/>
+              </a:prstGeom>
+              <a:ln>
+                <a:solidFill>
+                  <a:schemeClr val="tx1"/>
+                </a:solidFill>
+              </a:ln>
+            </p:spPr>
+            <p:style>
+              <a:lnRef idx="2">
+                <a:schemeClr val="accent1"/>
+              </a:lnRef>
+              <a:fillRef idx="0">
+                <a:schemeClr val="accent1"/>
+              </a:fillRef>
+              <a:effectRef idx="1">
+                <a:schemeClr val="accent1"/>
+              </a:effectRef>
+              <a:fontRef idx="minor">
+                <a:schemeClr val="tx1"/>
+              </a:fontRef>
+            </p:style>
+          </p:cxnSp>
+          <p:cxnSp>
+            <p:nvCxnSpPr>
+              <p:cNvPr id="14" name="Straight Connector 13"/>
+              <p:cNvCxnSpPr/>
+              <p:nvPr/>
+            </p:nvCxnSpPr>
+            <p:spPr>
+              <a:xfrm rot="5400000">
+                <a:off x="6619722" y="1560638"/>
+                <a:ext cx="154971" cy="1590"/>
+              </a:xfrm>
+              <a:prstGeom prst="line">
+                <a:avLst/>
+              </a:prstGeom>
+              <a:ln>
+                <a:solidFill>
+                  <a:schemeClr val="tx1"/>
+                </a:solidFill>
+              </a:ln>
+            </p:spPr>
+            <p:style>
+              <a:lnRef idx="2">
+                <a:schemeClr val="accent1"/>
+              </a:lnRef>
+              <a:fillRef idx="0">
+                <a:schemeClr val="accent1"/>
+              </a:fillRef>
+              <a:effectRef idx="1">
+                <a:schemeClr val="accent1"/>
+              </a:effectRef>
+              <a:fontRef idx="minor">
+                <a:schemeClr val="tx1"/>
+              </a:fontRef>
+            </p:style>
+          </p:cxnSp>
+          <p:cxnSp>
+            <p:nvCxnSpPr>
+              <p:cNvPr id="15" name="Straight Connector 14"/>
+              <p:cNvCxnSpPr/>
+              <p:nvPr/>
+            </p:nvCxnSpPr>
+            <p:spPr>
+              <a:xfrm rot="5400000">
+                <a:off x="6768941" y="1563210"/>
+                <a:ext cx="154971" cy="1590"/>
+              </a:xfrm>
+              <a:prstGeom prst="line">
+                <a:avLst/>
+              </a:prstGeom>
+              <a:ln>
+                <a:solidFill>
+                  <a:schemeClr val="tx1"/>
+                </a:solidFill>
+              </a:ln>
+            </p:spPr>
+            <p:style>
+              <a:lnRef idx="2">
+                <a:schemeClr val="accent1"/>
+              </a:lnRef>
+              <a:fillRef idx="0">
+                <a:schemeClr val="accent1"/>
+              </a:fillRef>
+              <a:effectRef idx="1">
+                <a:schemeClr val="accent1"/>
+              </a:effectRef>
+              <a:fontRef idx="minor">
+                <a:schemeClr val="tx1"/>
+              </a:fontRef>
+            </p:style>
+          </p:cxnSp>
+          <p:sp>
+            <p:nvSpPr>
+              <p:cNvPr id="16" name="Cube 15"/>
+              <p:cNvSpPr/>
+              <p:nvPr/>
+            </p:nvSpPr>
+            <p:spPr>
+              <a:xfrm>
+                <a:off x="5954372" y="1328187"/>
+                <a:ext cx="1029157" cy="203688"/>
+              </a:xfrm>
+              <a:prstGeom prst="cube">
+                <a:avLst/>
+              </a:prstGeom>
+              <a:ln>
+                <a:solidFill>
+                  <a:schemeClr val="tx1"/>
+                </a:solidFill>
+              </a:ln>
+            </p:spPr>
+            <p:style>
+              <a:lnRef idx="1">
+                <a:schemeClr val="accent1"/>
+              </a:lnRef>
+              <a:fillRef idx="3">
+                <a:schemeClr val="accent1"/>
+              </a:fillRef>
+              <a:effectRef idx="2">
+                <a:schemeClr val="accent1"/>
+              </a:effectRef>
+              <a:fontRef idx="minor">
+                <a:schemeClr val="lt1"/>
+              </a:fontRef>
+            </p:style>
+            <p:txBody>
+              <a:bodyPr rtlCol="0" anchor="ctr"/>
+              <a:lstStyle/>
+              <a:p>
+                <a:pPr algn="ctr"/>
+                <a:endParaRPr lang="en-US"/>
+              </a:p>
+            </p:txBody>
+          </p:sp>
+        </p:grpSp>
+        <p:pic>
+          <p:nvPicPr>
+            <p:cNvPr id="22" name="Picture 21" descr="Figure3a.pdf"/>
+            <p:cNvPicPr>
+              <a:picLocks noChangeAspect="1"/>
+            </p:cNvPicPr>
+            <p:nvPr/>
+          </p:nvPicPr>
+          <mc:AlternateContent>
+            <mc:Choice xmlns:ma="http://schemas.microsoft.com/office/mac/drawingml/2008/main" Requires="ma">
+              <p:blipFill>
+                <a:blip r:embed="rId4"/>
+                <a:stretch>
+                  <a:fillRect/>
+                </a:stretch>
+              </p:blipFill>
+            </mc:Choice>
+            <mc:Fallback>
+              <p:blipFill>
+                <a:blip r:embed="rId5"/>
+                <a:stretch>
+                  <a:fillRect/>
+                </a:stretch>
+              </p:blipFill>
+            </mc:Fallback>
+          </mc:AlternateContent>
+          <p:spPr>
+            <a:xfrm>
+              <a:off x="3962242" y="4598102"/>
+              <a:ext cx="2489200" cy="2286000"/>
+            </a:xfrm>
+            <a:prstGeom prst="rect">
+              <a:avLst/>
+            </a:prstGeom>
+          </p:spPr>
+        </p:pic>
+        <p:pic>
+          <p:nvPicPr>
+            <p:cNvPr id="23" name="Picture 22" descr="Figure3b.pdf"/>
+            <p:cNvPicPr>
+              <a:picLocks noChangeAspect="1"/>
+            </p:cNvPicPr>
+            <p:nvPr/>
+          </p:nvPicPr>
+          <mc:AlternateContent>
+            <mc:Choice xmlns:ma="http://schemas.microsoft.com/office/mac/drawingml/2008/main" Requires="ma">
+              <p:blipFill>
+                <a:blip r:embed="rId6"/>
+                <a:srcRect l="6118"/>
+                <a:stretch>
+                  <a:fillRect/>
+                </a:stretch>
+              </p:blipFill>
+            </mc:Choice>
+            <mc:Fallback>
+              <p:blipFill>
+                <a:blip r:embed="rId7"/>
+                <a:srcRect l="6118"/>
+                <a:stretch>
+                  <a:fillRect/>
+                </a:stretch>
+              </p:blipFill>
+            </mc:Fallback>
+          </mc:AlternateContent>
+          <p:spPr>
+            <a:xfrm>
+              <a:off x="5485671" y="2813173"/>
+              <a:ext cx="3782810" cy="1582298"/>
+            </a:xfrm>
+            <a:prstGeom prst="rect">
+              <a:avLst/>
+            </a:prstGeom>
+          </p:spPr>
+        </p:pic>
+        <p:cxnSp>
+          <p:nvCxnSpPr>
+            <p:cNvPr id="26" name="Straight Connector 25"/>
+            <p:cNvCxnSpPr/>
+            <p:nvPr/>
+          </p:nvCxnSpPr>
+          <p:spPr>
+            <a:xfrm>
+              <a:off x="2636640" y="4757181"/>
+              <a:ext cx="1325602" cy="1588"/>
+            </a:xfrm>
+            <a:prstGeom prst="line">
+              <a:avLst/>
+            </a:prstGeom>
+            <a:ln w="38100" cmpd="sng">
+              <a:solidFill>
+                <a:srgbClr val="FFFF00"/>
+              </a:solidFill>
+            </a:ln>
+          </p:spPr>
+          <p:style>
+            <a:lnRef idx="2">
+              <a:schemeClr val="accent1"/>
+            </a:lnRef>
+            <a:fillRef idx="0">
+              <a:schemeClr val="accent1"/>
+            </a:fillRef>
+            <a:effectRef idx="1">
+              <a:schemeClr val="accent1"/>
+            </a:effectRef>
+            <a:fontRef idx="minor">
+              <a:schemeClr val="tx1"/>
+            </a:fontRef>
+          </p:style>
+        </p:cxnSp>
+        <p:cxnSp>
+          <p:nvCxnSpPr>
+            <p:cNvPr id="28" name="Straight Connector 27"/>
+            <p:cNvCxnSpPr/>
+            <p:nvPr/>
+          </p:nvCxnSpPr>
+          <p:spPr>
+            <a:xfrm rot="16200000" flipH="1">
+              <a:off x="2645918" y="5213913"/>
+              <a:ext cx="846399" cy="1794682"/>
+            </a:xfrm>
+            <a:prstGeom prst="line">
+              <a:avLst/>
+            </a:prstGeom>
+            <a:ln w="38100" cmpd="sng">
+              <a:solidFill>
+                <a:srgbClr val="FFFF00"/>
+              </a:solidFill>
+            </a:ln>
+          </p:spPr>
+          <p:style>
+            <a:lnRef idx="2">
+              <a:schemeClr val="accent1"/>
+            </a:lnRef>
+            <a:fillRef idx="0">
+              <a:schemeClr val="accent1"/>
+            </a:fillRef>
+            <a:effectRef idx="1">
+              <a:schemeClr val="accent1"/>
+            </a:effectRef>
+            <a:fontRef idx="minor">
+              <a:schemeClr val="tx1"/>
+            </a:fontRef>
+          </p:style>
+        </p:cxnSp>
+        <p:sp>
+          <p:nvSpPr>
+            <p:cNvPr id="24" name="Parallelogram 23"/>
+            <p:cNvSpPr/>
+            <p:nvPr/>
+          </p:nvSpPr>
+          <p:spPr>
+            <a:xfrm rot="13116221">
+              <a:off x="1523642" y="2266103"/>
+              <a:ext cx="998915" cy="164644"/>
+            </a:xfrm>
+            <a:prstGeom prst="parallelogram">
+              <a:avLst>
+                <a:gd name="adj" fmla="val 85628"/>
+              </a:avLst>
+            </a:prstGeom>
+            <a:solidFill>
+              <a:srgbClr val="FFFF00"/>
+            </a:solidFill>
+            <a:ln>
+              <a:solidFill>
+                <a:schemeClr val="tx1"/>
+              </a:solidFill>
+            </a:ln>
+          </p:spPr>
+          <p:style>
+            <a:lnRef idx="1">
+              <a:schemeClr val="accent1"/>
+            </a:lnRef>
+            <a:fillRef idx="3">
+              <a:schemeClr val="accent1"/>
+            </a:fillRef>
+            <a:effectRef idx="2">
+              <a:schemeClr val="accent1"/>
+            </a:effectRef>
+            <a:fontRef idx="minor">
+              <a:schemeClr val="lt1"/>
+            </a:fontRef>
+          </p:style>
+          <p:txBody>
+            <a:bodyPr rtlCol="0" anchor="ctr"/>
+            <a:lstStyle/>
+            <a:p>
+              <a:pPr algn="ctr"/>
+              <a:endParaRPr lang="en-US"/>
+            </a:p>
+          </p:txBody>
+        </p:sp>
+        <p:pic>
+          <p:nvPicPr>
+            <p:cNvPr id="25" name="Picture 7"/>
+            <p:cNvPicPr>
+              <a:picLocks noChangeAspect="1" noChangeArrowheads="1"/>
+            </p:cNvPicPr>
+            <p:nvPr/>
+          </p:nvPicPr>
+          <p:blipFill>
+            <a:blip r:embed="rId8" cstate="print"/>
+            <a:srcRect/>
+            <a:stretch>
+              <a:fillRect/>
+            </a:stretch>
+          </p:blipFill>
+          <p:spPr bwMode="auto">
+            <a:xfrm>
+              <a:off x="3434049" y="946571"/>
+              <a:ext cx="1509741" cy="1826693"/>
+            </a:xfrm>
+            <a:prstGeom prst="rect">
+              <a:avLst/>
+            </a:prstGeom>
+            <a:noFill/>
+          </p:spPr>
+        </p:pic>
+        <p:sp>
+          <p:nvSpPr>
+            <p:cNvPr id="27" name="TextBox 26"/>
+            <p:cNvSpPr txBox="1"/>
+            <p:nvPr/>
+          </p:nvSpPr>
+          <p:spPr>
+            <a:xfrm>
+              <a:off x="2176507" y="1948501"/>
+              <a:ext cx="1244827" cy="369332"/>
+            </a:xfrm>
+            <a:prstGeom prst="rect">
+              <a:avLst/>
+            </a:prstGeom>
+            <a:noFill/>
+          </p:spPr>
+          <p:txBody>
+            <a:bodyPr wrap="none" rtlCol="0">
+              <a:spAutoFit/>
+            </a:bodyPr>
+            <a:lstStyle/>
+            <a:p>
+              <a:r>
+                <a:rPr lang="en-US" dirty="0" smtClean="0">
+                  <a:solidFill>
+                    <a:srgbClr val="FF0000"/>
+                  </a:solidFill>
+                </a:rPr>
+                <a:t>neural field</a:t>
+              </a:r>
+              <a:endParaRPr lang="en-US" dirty="0">
+                <a:solidFill>
+                  <a:srgbClr val="FF0000"/>
+                </a:solidFill>
+              </a:endParaRPr>
+            </a:p>
+          </p:txBody>
+        </p:sp>
+        <p:cxnSp>
+          <p:nvCxnSpPr>
+            <p:cNvPr id="29" name="Straight Connector 28"/>
+            <p:cNvCxnSpPr/>
+            <p:nvPr/>
+          </p:nvCxnSpPr>
+          <p:spPr>
+            <a:xfrm>
+              <a:off x="2532374" y="2646132"/>
+              <a:ext cx="904328" cy="66271"/>
+            </a:xfrm>
+            <a:prstGeom prst="line">
+              <a:avLst/>
+            </a:prstGeom>
+            <a:ln>
+              <a:solidFill>
+                <a:srgbClr val="FF0000"/>
+              </a:solidFill>
+              <a:prstDash val="sysDot"/>
+            </a:ln>
+          </p:spPr>
+          <p:style>
+            <a:lnRef idx="2">
+              <a:schemeClr val="accent1"/>
+            </a:lnRef>
+            <a:fillRef idx="0">
+              <a:schemeClr val="accent1"/>
+            </a:fillRef>
+            <a:effectRef idx="1">
+              <a:schemeClr val="accent1"/>
+            </a:effectRef>
+            <a:fontRef idx="minor">
+              <a:schemeClr val="tx1"/>
+            </a:fontRef>
+          </p:style>
+        </p:cxnSp>
+        <p:cxnSp>
+          <p:nvCxnSpPr>
+            <p:cNvPr id="34" name="Straight Connector 33"/>
+            <p:cNvCxnSpPr/>
+            <p:nvPr/>
+          </p:nvCxnSpPr>
+          <p:spPr>
+            <a:xfrm flipV="1">
+              <a:off x="1883921" y="1005979"/>
+              <a:ext cx="1537413" cy="966486"/>
+            </a:xfrm>
+            <a:prstGeom prst="line">
+              <a:avLst/>
+            </a:prstGeom>
+            <a:ln>
+              <a:solidFill>
+                <a:srgbClr val="FF0000"/>
+              </a:solidFill>
+              <a:prstDash val="sysDot"/>
+            </a:ln>
+          </p:spPr>
+          <p:style>
+            <a:lnRef idx="2">
+              <a:schemeClr val="accent1"/>
+            </a:lnRef>
+            <a:fillRef idx="0">
+              <a:schemeClr val="accent1"/>
+            </a:fillRef>
+            <a:effectRef idx="1">
+              <a:schemeClr val="accent1"/>
+            </a:effectRef>
+            <a:fontRef idx="minor">
+              <a:schemeClr val="tx1"/>
+            </a:fontRef>
+          </p:style>
+        </p:cxnSp>
+        <p:sp>
+          <p:nvSpPr>
+            <p:cNvPr id="35" name="TextBox 34"/>
+            <p:cNvSpPr txBox="1"/>
+            <p:nvPr/>
+          </p:nvSpPr>
+          <p:spPr>
+            <a:xfrm>
+              <a:off x="5055740" y="1521693"/>
+              <a:ext cx="1980029" cy="646331"/>
+            </a:xfrm>
+            <a:prstGeom prst="rect">
+              <a:avLst/>
+            </a:prstGeom>
+            <a:noFill/>
+          </p:spPr>
+          <p:txBody>
+            <a:bodyPr wrap="none" rtlCol="0">
+              <a:spAutoFit/>
+            </a:bodyPr>
+            <a:lstStyle/>
+            <a:p>
+              <a:r>
+                <a:rPr lang="en-US" dirty="0" smtClean="0"/>
+                <a:t>millions of neurons</a:t>
+              </a:r>
+              <a:br>
+                <a:rPr lang="en-US" dirty="0" smtClean="0"/>
+              </a:br>
+              <a:r>
+                <a:rPr lang="en-US" dirty="0" smtClean="0"/>
+                <a:t>≈∞</a:t>
+              </a:r>
+              <a:endParaRPr lang="en-US" dirty="0"/>
+            </a:p>
+          </p:txBody>
+        </p:sp>
+      </p:grpSp>
+    </p:spTree>
+  </p:cSld>
+  <p:clrMapOvr>
+    <a:masterClrMapping/>
+  </p:clrMapOvr>
+  <p:timing>
+    <p:tnLst>
+      <p:par>
+        <p:cTn id="1" dur="indefinite" restart="never" nodeType="tmRoot"/>
+      </p:par>
+    </p:tnLst>
+  </p:timing>
 </p:sld>
 </file>
 
